--- a/__OOP_Entity-Framework.pptx
+++ b/__OOP_Entity-Framework.pptx
@@ -341,7 +341,7 @@
             <a:fld id="{FE5B4EDC-59C0-49C7-8ADA-5A781B329E02}" type="datetimeFigureOut">
               <a:rPr lang="en-US"/>
               <a:pPr/>
-              <a:t>7/31/2019</a:t>
+              <a:t>8/20/2019</a:t>
             </a:fld>
             <a:endParaRPr dirty="0"/>
           </a:p>
@@ -540,7 +540,7 @@
             <a:fld id="{F2D8D46A-B586-417D-BFBD-8C8FE0AAF762}" type="datetimeFigureOut">
               <a:rPr lang="en-US" smtClean="0"/>
               <a:pPr/>
-              <a:t>7/31/2019</a:t>
+              <a:t>8/20/2019</a:t>
             </a:fld>
             <a:endParaRPr lang="en-US" dirty="0"/>
           </a:p>
@@ -2858,7 +2858,7 @@
           <a:p>
             <a:fld id="{9DDE6D39-56EC-4F7C-8E53-8780FF68416A}" type="datetime1">
               <a:rPr lang="en-US" smtClean="0"/>
-              <a:t>7/31/2019</a:t>
+              <a:t>8/20/2019</a:t>
             </a:fld>
             <a:endParaRPr lang="en-US" dirty="0"/>
           </a:p>
@@ -3467,7 +3467,7 @@
           <a:p>
             <a:fld id="{02C06E3A-B5C2-4FA5-A78F-413386A30624}" type="datetime1">
               <a:rPr lang="en-US" smtClean="0"/>
-              <a:t>7/31/2019</a:t>
+              <a:t>8/20/2019</a:t>
             </a:fld>
             <a:endParaRPr lang="en-US" dirty="0"/>
           </a:p>
@@ -4503,6 +4503,13 @@
   <p:clrMapOvr>
     <a:masterClrMapping/>
   </p:clrMapOvr>
+  <p:timing>
+    <p:tnLst>
+      <p:par>
+        <p:cTn id="1" dur="indefinite" restart="never" nodeType="tmRoot"/>
+      </p:par>
+    </p:tnLst>
+  </p:timing>
 </p:sld>
 </file>
 
@@ -4748,6 +4755,13 @@
   <p:clrMapOvr>
     <a:masterClrMapping/>
   </p:clrMapOvr>
+  <p:timing>
+    <p:tnLst>
+      <p:par>
+        <p:cTn id="1" dur="indefinite" restart="never" nodeType="tmRoot"/>
+      </p:par>
+    </p:tnLst>
+  </p:timing>
 </p:sld>
 </file>
 
@@ -5068,6 +5082,13 @@
   <p:clrMapOvr>
     <a:masterClrMapping/>
   </p:clrMapOvr>
+  <p:timing>
+    <p:tnLst>
+      <p:par>
+        <p:cTn id="1" dur="indefinite" restart="never" nodeType="tmRoot"/>
+      </p:par>
+    </p:tnLst>
+  </p:timing>
 </p:sld>
 </file>
 
@@ -5253,6 +5274,13 @@
   <p:clrMapOvr>
     <a:masterClrMapping/>
   </p:clrMapOvr>
+  <p:timing>
+    <p:tnLst>
+      <p:par>
+        <p:cTn id="1" dur="indefinite" restart="never" nodeType="tmRoot"/>
+      </p:par>
+    </p:tnLst>
+  </p:timing>
 </p:sld>
 </file>
 
@@ -5540,6 +5568,13 @@
   <p:clrMapOvr>
     <a:masterClrMapping/>
   </p:clrMapOvr>
+  <p:timing>
+    <p:tnLst>
+      <p:par>
+        <p:cTn id="1" dur="indefinite" restart="never" nodeType="tmRoot"/>
+      </p:par>
+    </p:tnLst>
+  </p:timing>
 </p:sld>
 </file>
 
@@ -5726,6 +5761,10 @@
             <a:r>
               <a:rPr lang="en-US" sz="3200" dirty="0"/>
               <a:t>the query</a:t>
+            </a:r>
+            <a:r>
+              <a:rPr lang="en-US" sz="3200"/>
+              <a:t/>
             </a:r>
             <a:br>
               <a:rPr lang="en-US" sz="3200"/>
@@ -5842,6 +5881,13 @@
   <p:clrMapOvr>
     <a:masterClrMapping/>
   </p:clrMapOvr>
+  <p:timing>
+    <p:tnLst>
+      <p:par>
+        <p:cTn id="1" dur="indefinite" restart="never" nodeType="tmRoot"/>
+      </p:par>
+    </p:tnLst>
+  </p:timing>
 </p:sld>
 </file>
 
@@ -6107,6 +6153,13 @@
   <p:clrMapOvr>
     <a:masterClrMapping/>
   </p:clrMapOvr>
+  <p:timing>
+    <p:tnLst>
+      <p:par>
+        <p:cTn id="1" dur="indefinite" restart="never" nodeType="tmRoot"/>
+      </p:par>
+    </p:tnLst>
+  </p:timing>
 </p:sld>
 </file>
 
@@ -6396,6 +6449,13 @@
   <p:clrMapOvr>
     <a:masterClrMapping/>
   </p:clrMapOvr>
+  <p:timing>
+    <p:tnLst>
+      <p:par>
+        <p:cTn id="1" dur="indefinite" restart="never" nodeType="tmRoot"/>
+      </p:par>
+    </p:tnLst>
+  </p:timing>
 </p:sld>
 </file>
 
@@ -7610,6 +7670,13 @@
   <p:clrMapOvr>
     <a:masterClrMapping/>
   </p:clrMapOvr>
+  <p:timing>
+    <p:tnLst>
+      <p:par>
+        <p:cTn id="1" dur="indefinite" restart="never" nodeType="tmRoot"/>
+      </p:par>
+    </p:tnLst>
+  </p:timing>
 </p:sld>
 </file>
 
@@ -7794,6 +7861,13 @@
   <p:clrMapOvr>
     <a:masterClrMapping/>
   </p:clrMapOvr>
+  <p:timing>
+    <p:tnLst>
+      <p:par>
+        <p:cTn id="1" dur="indefinite" restart="never" nodeType="tmRoot"/>
+      </p:par>
+    </p:tnLst>
+  </p:timing>
 </p:sld>
 </file>
 
@@ -8082,6 +8156,13 @@
   <p:clrMapOvr>
     <a:masterClrMapping/>
   </p:clrMapOvr>
+  <p:timing>
+    <p:tnLst>
+      <p:par>
+        <p:cTn id="1" dur="indefinite" restart="never" nodeType="tmRoot"/>
+      </p:par>
+    </p:tnLst>
+  </p:timing>
 </p:sld>
 </file>
 
@@ -8323,6 +8404,13 @@
   <p:clrMapOvr>
     <a:masterClrMapping/>
   </p:clrMapOvr>
+  <p:timing>
+    <p:tnLst>
+      <p:par>
+        <p:cTn id="1" dur="indefinite" restart="never" nodeType="tmRoot"/>
+      </p:par>
+    </p:tnLst>
+  </p:timing>
 </p:sld>
 </file>
 
@@ -8717,6 +8805,13 @@
   <p:clrMapOvr>
     <a:masterClrMapping/>
   </p:clrMapOvr>
+  <p:timing>
+    <p:tnLst>
+      <p:par>
+        <p:cTn id="1" dur="indefinite" restart="never" nodeType="tmRoot"/>
+      </p:par>
+    </p:tnLst>
+  </p:timing>
 </p:sld>
 </file>
 
@@ -10775,6 +10870,13 @@
       </p:transition>
     </mc:Fallback>
   </mc:AlternateContent>
+  <p:timing>
+    <p:tnLst>
+      <p:par>
+        <p:cTn id="1" dur="indefinite" restart="never" nodeType="tmRoot"/>
+      </p:par>
+    </p:tnLst>
+  </p:timing>
 </p:sld>
 </file>
 
@@ -11067,8 +11169,12 @@
               </a:spcAft>
             </a:pPr>
             <a:r>
+              <a:rPr lang="en-US" sz="2400" b="1" dirty="0" smtClean="0"/>
+              <a:t>Sort </a:t>
+            </a:r>
+            <a:r>
               <a:rPr lang="en-US" sz="2400" b="1" dirty="0"/>
-              <a:t>Orders a collection</a:t>
+              <a:t>a collection</a:t>
             </a:r>
             <a:endParaRPr lang="en-US" sz="2000" b="1" dirty="0"/>
           </a:p>
@@ -11127,6 +11233,13 @@
   <p:clrMapOvr>
     <a:masterClrMapping/>
   </p:clrMapOvr>
+  <p:timing>
+    <p:tnLst>
+      <p:par>
+        <p:cTn id="1" dur="indefinite" restart="never" nodeType="tmRoot"/>
+      </p:par>
+    </p:tnLst>
+  </p:timing>
 </p:sld>
 </file>
 
@@ -11205,6 +11318,14 @@
           </a:bodyPr>
           <a:lstStyle/>
           <a:p>
+            <a:pPr>
+              <a:lnSpc>
+                <a:spcPct val="100000"/>
+              </a:lnSpc>
+              <a:spcAft>
+                <a:spcPts val="0"/>
+              </a:spcAft>
+            </a:pPr>
             <a:r>
               <a:rPr lang="en-US" sz="2800" b="1" noProof="1">
                 <a:solidFill>
@@ -11219,13 +11340,28 @@
             </a:r>
           </a:p>
           <a:p>
-            <a:pPr lvl="1"/>
+            <a:pPr lvl="1">
+              <a:lnSpc>
+                <a:spcPct val="100000"/>
+              </a:lnSpc>
+              <a:spcAft>
+                <a:spcPts val="0"/>
+              </a:spcAft>
+            </a:pPr>
             <a:r>
               <a:rPr lang="en-US" sz="2400" b="1" dirty="0"/>
               <a:t>Checks if any element matches a condition</a:t>
             </a:r>
           </a:p>
           <a:p>
+            <a:pPr>
+              <a:lnSpc>
+                <a:spcPct val="100000"/>
+              </a:lnSpc>
+              <a:spcAft>
+                <a:spcPts val="0"/>
+              </a:spcAft>
+            </a:pPr>
             <a:r>
               <a:rPr lang="en-US" sz="2800" b="1" noProof="1">
                 <a:solidFill>
@@ -11263,7 +11399,14 @@
             </a:r>
           </a:p>
           <a:p>
-            <a:pPr lvl="1"/>
+            <a:pPr lvl="1">
+              <a:lnSpc>
+                <a:spcPct val="100000"/>
+              </a:lnSpc>
+              <a:spcAft>
+                <a:spcPts val="0"/>
+              </a:spcAft>
+            </a:pPr>
             <a:r>
               <a:rPr lang="en-US" sz="2400" b="1" dirty="0"/>
               <a:t>Convert to collection type </a:t>
@@ -11286,9 +11429,15 @@
           </a:p>
           <a:p>
             <a:pPr marL="223838" lvl="2" indent="-223838">
+              <a:lnSpc>
+                <a:spcPct val="100000"/>
+              </a:lnSpc>
               <a:spcBef>
                 <a:spcPts val="1800"/>
               </a:spcBef>
+              <a:spcAft>
+                <a:spcPts val="0"/>
+              </a:spcAft>
             </a:pPr>
             <a:r>
               <a:rPr lang="en-US" b="1" dirty="0">
@@ -11303,14 +11452,76 @@
           </a:p>
           <a:p>
             <a:pPr marL="398463" lvl="3" indent="-223838">
+              <a:lnSpc>
+                <a:spcPct val="100000"/>
+              </a:lnSpc>
               <a:spcBef>
                 <a:spcPts val="1800"/>
               </a:spcBef>
+              <a:spcAft>
+                <a:spcPts val="0"/>
+              </a:spcAft>
             </a:pPr>
             <a:r>
               <a:rPr lang="en-US" sz="2200" b="1" dirty="0"/>
-              <a:t>Includes another collection into the query</a:t>
-            </a:r>
+              <a:t>Includes another collection into the </a:t>
+            </a:r>
+            <a:r>
+              <a:rPr lang="en-US" sz="2200" b="1" dirty="0" smtClean="0"/>
+              <a:t>query</a:t>
+            </a:r>
+          </a:p>
+          <a:p>
+            <a:pPr marL="93716" lvl="2" indent="-223838">
+              <a:lnSpc>
+                <a:spcPct val="100000"/>
+              </a:lnSpc>
+              <a:spcBef>
+                <a:spcPts val="1800"/>
+              </a:spcBef>
+              <a:spcAft>
+                <a:spcPts val="0"/>
+              </a:spcAft>
+            </a:pPr>
+            <a:r>
+              <a:rPr lang="en-US" b="1" dirty="0" smtClean="0">
+                <a:solidFill>
+                  <a:schemeClr val="tx2">
+                    <a:lumMod val="75000"/>
+                  </a:schemeClr>
+                </a:solidFill>
+              </a:rPr>
+              <a:t>Take</a:t>
+            </a:r>
+            <a:r>
+              <a:rPr lang="en-US" b="1" dirty="0">
+                <a:solidFill>
+                  <a:schemeClr val="tx2">
+                    <a:lumMod val="75000"/>
+                  </a:schemeClr>
+                </a:solidFill>
+              </a:rPr>
+              <a:t>() </a:t>
+            </a:r>
+            <a:r>
+              <a:rPr lang="en-US" sz="2400" b="1" dirty="0" smtClean="0"/>
+              <a:t>and </a:t>
+            </a:r>
+            <a:r>
+              <a:rPr lang="en-US" b="1" dirty="0" smtClean="0">
+                <a:solidFill>
+                  <a:schemeClr val="tx2">
+                    <a:lumMod val="75000"/>
+                  </a:schemeClr>
+                </a:solidFill>
+              </a:rPr>
+              <a:t>Skip() – </a:t>
+            </a:r>
+            <a:r>
+              <a:rPr lang="en-US" sz="2400" b="1" dirty="0"/>
+              <a:t>paged result</a:t>
+            </a:r>
+            <a:endParaRPr lang="en-US" sz="2400" b="1" dirty="0"/>
           </a:p>
           <a:p>
             <a:pPr marL="398463" lvl="3" indent="-223838">
@@ -11677,6 +11888,13 @@
   <p:clrMapOvr>
     <a:masterClrMapping/>
   </p:clrMapOvr>
+  <p:timing>
+    <p:tnLst>
+      <p:par>
+        <p:cTn id="1" dur="indefinite" restart="never" nodeType="tmRoot"/>
+      </p:par>
+    </p:tnLst>
+  </p:timing>
 </p:sld>
 </file>
 
@@ -13481,6 +13699,13 @@
   <p:clrMapOvr>
     <a:masterClrMapping/>
   </p:clrMapOvr>
+  <p:timing>
+    <p:tnLst>
+      <p:par>
+        <p:cTn id="1" dur="indefinite" restart="never" nodeType="tmRoot"/>
+      </p:par>
+    </p:tnLst>
+  </p:timing>
 </p:sld>
 </file>
 
@@ -13715,6 +13940,13 @@
   <p:clrMapOvr>
     <a:masterClrMapping/>
   </p:clrMapOvr>
+  <p:timing>
+    <p:tnLst>
+      <p:par>
+        <p:cTn id="1" dur="indefinite" restart="never" nodeType="tmRoot"/>
+      </p:par>
+    </p:tnLst>
+  </p:timing>
 </p:sld>
 </file>
 
@@ -13942,6 +14174,13 @@
   <p:clrMapOvr>
     <a:masterClrMapping/>
   </p:clrMapOvr>
+  <p:timing>
+    <p:tnLst>
+      <p:par>
+        <p:cTn id="1" dur="indefinite" restart="never" nodeType="tmRoot"/>
+      </p:par>
+    </p:tnLst>
+  </p:timing>
 </p:sld>
 </file>
 
@@ -14206,6 +14445,13 @@
   <p:clrMapOvr>
     <a:masterClrMapping/>
   </p:clrMapOvr>
+  <p:timing>
+    <p:tnLst>
+      <p:par>
+        <p:cTn id="1" dur="indefinite" restart="never" nodeType="tmRoot"/>
+      </p:par>
+    </p:tnLst>
+  </p:timing>
 </p:sld>
 </file>
 
@@ -15725,6 +15971,13 @@
   <p:clrMapOvr>
     <a:masterClrMapping/>
   </p:clrMapOvr>
+  <p:timing>
+    <p:tnLst>
+      <p:par>
+        <p:cTn id="1" dur="indefinite" restart="never" nodeType="tmRoot"/>
+      </p:par>
+    </p:tnLst>
+  </p:timing>
 </p:sld>
 </file>
 
@@ -16100,6 +16353,13 @@
   <p:clrMapOvr>
     <a:masterClrMapping/>
   </p:clrMapOvr>
+  <p:timing>
+    <p:tnLst>
+      <p:par>
+        <p:cTn id="1" dur="indefinite" restart="never" nodeType="tmRoot"/>
+      </p:par>
+    </p:tnLst>
+  </p:timing>
 </p:sld>
 </file>
 
@@ -16990,6 +17250,13 @@
   <p:clrMapOvr>
     <a:masterClrMapping/>
   </p:clrMapOvr>
+  <p:timing>
+    <p:tnLst>
+      <p:par>
+        <p:cTn id="1" dur="indefinite" restart="never" nodeType="tmRoot"/>
+      </p:par>
+    </p:tnLst>
+  </p:timing>
 </p:sld>
 </file>
 
@@ -17155,6 +17422,13 @@
   <p:clrMapOvr>
     <a:masterClrMapping/>
   </p:clrMapOvr>
+  <p:timing>
+    <p:tnLst>
+      <p:par>
+        <p:cTn id="1" dur="indefinite" restart="never" nodeType="tmRoot"/>
+      </p:par>
+    </p:tnLst>
+  </p:timing>
 </p:sld>
 </file>
 
@@ -18127,6 +18401,13 @@
   <p:clrMapOvr>
     <a:masterClrMapping/>
   </p:clrMapOvr>
+  <p:timing>
+    <p:tnLst>
+      <p:par>
+        <p:cTn id="1" dur="indefinite" restart="never" nodeType="tmRoot"/>
+      </p:par>
+    </p:tnLst>
+  </p:timing>
 </p:sld>
 </file>
 
@@ -18789,6 +19070,13 @@
   <p:clrMapOvr>
     <a:masterClrMapping/>
   </p:clrMapOvr>
+  <p:timing>
+    <p:tnLst>
+      <p:par>
+        <p:cTn id="1" dur="indefinite" restart="never" nodeType="tmRoot"/>
+      </p:par>
+    </p:tnLst>
+  </p:timing>
 </p:sld>
 </file>
 
@@ -19038,6 +19326,13 @@
   <p:clrMapOvr>
     <a:masterClrMapping/>
   </p:clrMapOvr>
+  <p:timing>
+    <p:tnLst>
+      <p:par>
+        <p:cTn id="1" dur="indefinite" restart="never" nodeType="tmRoot"/>
+      </p:par>
+    </p:tnLst>
+  </p:timing>
 </p:sld>
 </file>
 
@@ -19301,6 +19596,13 @@
   <p:clrMapOvr>
     <a:masterClrMapping/>
   </p:clrMapOvr>
+  <p:timing>
+    <p:tnLst>
+      <p:par>
+        <p:cTn id="1" dur="indefinite" restart="never" nodeType="tmRoot"/>
+      </p:par>
+    </p:tnLst>
+  </p:timing>
 </p:sld>
 </file>
 
@@ -19554,6 +19856,13 @@
   <p:clrMapOvr>
     <a:masterClrMapping/>
   </p:clrMapOvr>
+  <p:timing>
+    <p:tnLst>
+      <p:par>
+        <p:cTn id="1" dur="indefinite" restart="never" nodeType="tmRoot"/>
+      </p:par>
+    </p:tnLst>
+  </p:timing>
 </p:sld>
 </file>
 
@@ -19753,6 +20062,13 @@
   <p:clrMapOvr>
     <a:masterClrMapping/>
   </p:clrMapOvr>
+  <p:timing>
+    <p:tnLst>
+      <p:par>
+        <p:cTn id="1" dur="indefinite" restart="never" nodeType="tmRoot"/>
+      </p:par>
+    </p:tnLst>
+  </p:timing>
 </p:sld>
 </file>
 
@@ -20880,6 +21196,13 @@
   <p:clrMapOvr>
     <a:masterClrMapping/>
   </p:clrMapOvr>
+  <p:timing>
+    <p:tnLst>
+      <p:par>
+        <p:cTn id="1" dur="indefinite" restart="never" nodeType="tmRoot"/>
+      </p:par>
+    </p:tnLst>
+  </p:timing>
 </p:sld>
 </file>
 
@@ -21084,6 +21407,13 @@
   <p:clrMapOvr>
     <a:masterClrMapping/>
   </p:clrMapOvr>
+  <p:timing>
+    <p:tnLst>
+      <p:par>
+        <p:cTn id="1" dur="indefinite" restart="never" nodeType="tmRoot"/>
+      </p:par>
+    </p:tnLst>
+  </p:timing>
 </p:sld>
 </file>
 
@@ -21373,6 +21703,13 @@
   <p:clrMapOvr>
     <a:masterClrMapping/>
   </p:clrMapOvr>
+  <p:timing>
+    <p:tnLst>
+      <p:par>
+        <p:cTn id="1" dur="indefinite" restart="never" nodeType="tmRoot"/>
+      </p:par>
+    </p:tnLst>
+  </p:timing>
 </p:sld>
 </file>
 
